--- a/Final project/final_presentation_slides.pptx
+++ b/Final project/final_presentation_slides.pptx
@@ -3748,9 +3748,32 @@
           <a:chExt cx="0" cy="0"/>
         </a:xfrm>
       </p:grpSpPr>
+      <p:sp>
+        <p:nvSpPr>
+          <p:cNvPr id="4" name="Slide Number Placeholder 3"/>
+          <p:cNvSpPr>
+            <a:spLocks noGrp="1"/>
+          </p:cNvSpPr>
+          <p:nvPr>
+            <p:ph type="sldNum" sz="quarter" idx="12"/>
+          </p:nvPr>
+        </p:nvSpPr>
+        <p:spPr/>
+        <p:txBody>
+          <a:bodyPr/>
+          <a:lstStyle/>
+          <a:p>
+            <a:fld id="{31DA524E-E672-7642-B42A-278CEDFDF94D}" type="slidenum">
+              <a:rPr lang="en-US" smtClean="0"/>
+              <a:t>9</a:t>
+            </a:fld>
+            <a:endParaRPr lang="en-US"/>
+          </a:p>
+        </p:txBody>
+      </p:sp>
       <p:pic>
         <p:nvPicPr>
-          <p:cNvPr id="2" name="Picture 1" descr="mc_result1.png"/>
+          <p:cNvPr id="5" name="Picture 4" descr="mc_result1.png"/>
           <p:cNvPicPr>
             <a:picLocks noChangeAspect="1"/>
           </p:cNvPicPr>
@@ -3780,7 +3803,7 @@
       </p:pic>
       <p:sp>
         <p:nvSpPr>
-          <p:cNvPr id="3" name="TextBox 2"/>
+          <p:cNvPr id="6" name="TextBox 5"/>
           <p:cNvSpPr txBox="1"/>
           <p:nvPr/>
         </p:nvSpPr>
@@ -3816,7 +3839,15 @@
             </a:r>
             <a:r>
               <a:rPr lang="en-US" dirty="0" smtClean="0"/>
-              <a:t> = 1				</a:t>
+              <a:t> = </a:t>
+            </a:r>
+            <a:r>
+              <a:rPr lang="en-US" dirty="0" smtClean="0"/>
+              <a:t>0</a:t>
+            </a:r>
+            <a:r>
+              <a:rPr lang="en-US" dirty="0" smtClean="0"/>
+              <a:t>				</a:t>
             </a:r>
             <a:r>
               <a:rPr lang="en-US" dirty="0"/>
@@ -3838,7 +3869,15 @@
             </a:r>
             <a:r>
               <a:rPr lang="en-US" dirty="0" smtClean="0"/>
-              <a:t> = -1			</a:t>
+              <a:t> = </a:t>
+            </a:r>
+            <a:r>
+              <a:rPr lang="en-US" dirty="0" smtClean="0"/>
+              <a:t>1</a:t>
+            </a:r>
+            <a:r>
+              <a:rPr lang="en-US" dirty="0" smtClean="0"/>
+              <a:t>			</a:t>
             </a:r>
             <a:r>
               <a:rPr lang="en-US" dirty="0" err="1">
@@ -3857,8 +3896,12 @@
               <a:t>(1) </a:t>
             </a:r>
             <a:r>
+              <a:rPr lang="en-US" dirty="0"/>
+              <a:t>&lt;</a:t>
+            </a:r>
+            <a:r>
               <a:rPr lang="en-US" dirty="0" smtClean="0"/>
-              <a:t>≠ </a:t>
+              <a:t> </a:t>
             </a:r>
             <a:r>
               <a:rPr lang="en-US" dirty="0" err="1">
@@ -3904,8 +3947,12 @@
               <a:t>(1) </a:t>
             </a:r>
             <a:r>
+              <a:rPr lang="en-US" dirty="0"/>
+              <a:t>=</a:t>
+            </a:r>
+            <a:r>
               <a:rPr lang="en-US" dirty="0" smtClean="0"/>
-              <a:t>≠ </a:t>
+              <a:t> </a:t>
             </a:r>
             <a:r>
               <a:rPr lang="en-US" dirty="0" err="1">
@@ -3930,29 +3977,6 @@
               <a:rPr lang="en-US" dirty="0" smtClean="0"/>
               <a:t>S = 10</a:t>
             </a:r>
-          </a:p>
-        </p:txBody>
-      </p:sp>
-      <p:sp>
-        <p:nvSpPr>
-          <p:cNvPr id="4" name="Slide Number Placeholder 3"/>
-          <p:cNvSpPr>
-            <a:spLocks noGrp="1"/>
-          </p:cNvSpPr>
-          <p:nvPr>
-            <p:ph type="sldNum" sz="quarter" idx="12"/>
-          </p:nvPr>
-        </p:nvSpPr>
-        <p:spPr/>
-        <p:txBody>
-          <a:bodyPr/>
-          <a:lstStyle/>
-          <a:p>
-            <a:fld id="{31DA524E-E672-7642-B42A-278CEDFDF94D}" type="slidenum">
-              <a:rPr lang="en-US" smtClean="0"/>
-              <a:t>9</a:t>
-            </a:fld>
-            <a:endParaRPr lang="en-US"/>
           </a:p>
         </p:txBody>
       </p:sp>
@@ -5759,7 +5783,7 @@
             <a:graphicData uri="http://schemas.openxmlformats.org/presentationml/2006/ole">
               <mc:AlternateContent xmlns:mc="http://schemas.openxmlformats.org/markup-compatibility/2006">
                 <mc:Choice xmlns:v="urn:schemas-microsoft-com:vml" Requires="v">
-                  <p:oleObj spid="_x0000_s1084" name="Equation" r:id="rId3" imgW="723900" imgH="406400" progId="Equation.3">
+                  <p:oleObj spid="_x0000_s1087" name="Equation" r:id="rId3" imgW="723900" imgH="406400" progId="Equation.3">
                     <p:embed/>
                   </p:oleObj>
                 </mc:Choice>
@@ -6017,7 +6041,7 @@
             <a:graphicData uri="http://schemas.openxmlformats.org/presentationml/2006/ole">
               <mc:AlternateContent xmlns:mc="http://schemas.openxmlformats.org/markup-compatibility/2006">
                 <mc:Choice xmlns:v="urn:schemas-microsoft-com:vml" Requires="v">
-                  <p:oleObj spid="_x0000_s1085" name="Equation" r:id="rId5" imgW="419100" imgH="368300" progId="Equation.3">
+                  <p:oleObj spid="_x0000_s1088" name="Equation" r:id="rId5" imgW="419100" imgH="368300" progId="Equation.3">
                     <p:embed/>
                   </p:oleObj>
                 </mc:Choice>
@@ -7606,7 +7630,7 @@
           <a:graphicData uri="http://schemas.openxmlformats.org/presentationml/2006/ole">
             <mc:AlternateContent xmlns:mc="http://schemas.openxmlformats.org/markup-compatibility/2006">
               <mc:Choice xmlns:v="urn:schemas-microsoft-com:vml" Requires="v">
-                <p:oleObj spid="_x0000_s2098" name="Equation" r:id="rId3" imgW="685800" imgH="317500" progId="Equation.3">
+                <p:oleObj spid="_x0000_s2101" name="Equation" r:id="rId3" imgW="685800" imgH="317500" progId="Equation.3">
                   <p:embed/>
                 </p:oleObj>
               </mc:Choice>
@@ -7663,7 +7687,7 @@
           <a:graphicData uri="http://schemas.openxmlformats.org/presentationml/2006/ole">
             <mc:AlternateContent xmlns:mc="http://schemas.openxmlformats.org/markup-compatibility/2006">
               <mc:Choice xmlns:v="urn:schemas-microsoft-com:vml" Requires="v">
-                <p:oleObj spid="_x0000_s2099" name="Equation" r:id="rId5" imgW="698500" imgH="317500" progId="Equation.3">
+                <p:oleObj spid="_x0000_s2102" name="Equation" r:id="rId5" imgW="698500" imgH="317500" progId="Equation.3">
                   <p:embed/>
                 </p:oleObj>
               </mc:Choice>
@@ -7985,7 +8009,7 @@
           <a:graphicData uri="http://schemas.openxmlformats.org/presentationml/2006/ole">
             <mc:AlternateContent xmlns:mc="http://schemas.openxmlformats.org/markup-compatibility/2006">
               <mc:Choice xmlns:v="urn:schemas-microsoft-com:vml" Requires="v">
-                <p:oleObj spid="_x0000_s4138" name="Equation" r:id="rId3" imgW="1181100" imgH="406400" progId="Equation.3">
+                <p:oleObj spid="_x0000_s4141" name="Equation" r:id="rId3" imgW="1181100" imgH="406400" progId="Equation.3">
                   <p:embed/>
                 </p:oleObj>
               </mc:Choice>
@@ -8042,7 +8066,7 @@
           <a:graphicData uri="http://schemas.openxmlformats.org/presentationml/2006/ole">
             <mc:AlternateContent xmlns:mc="http://schemas.openxmlformats.org/markup-compatibility/2006">
               <mc:Choice xmlns:v="urn:schemas-microsoft-com:vml" Requires="v">
-                <p:oleObj spid="_x0000_s4139" name="Equation" r:id="rId5" imgW="2984500" imgH="1562100" progId="Equation.3">
+                <p:oleObj spid="_x0000_s4142" name="Equation" r:id="rId5" imgW="2984500" imgH="1562100" progId="Equation.3">
                   <p:embed/>
                 </p:oleObj>
               </mc:Choice>
@@ -8189,7 +8213,7 @@
           <a:graphicData uri="http://schemas.openxmlformats.org/presentationml/2006/ole">
             <mc:AlternateContent xmlns:mc="http://schemas.openxmlformats.org/markup-compatibility/2006">
               <mc:Choice xmlns:v="urn:schemas-microsoft-com:vml" Requires="v">
-                <p:oleObj spid="_x0000_s5178" name="Equation" r:id="rId3" imgW="1917700" imgH="342900" progId="Equation.3">
+                <p:oleObj spid="_x0000_s5183" name="Equation" r:id="rId3" imgW="1917700" imgH="342900" progId="Equation.3">
                   <p:embed/>
                 </p:oleObj>
               </mc:Choice>
@@ -8316,7 +8340,7 @@
           <a:graphicData uri="http://schemas.openxmlformats.org/presentationml/2006/ole">
             <mc:AlternateContent xmlns:mc="http://schemas.openxmlformats.org/markup-compatibility/2006">
               <mc:Choice xmlns:v="urn:schemas-microsoft-com:vml" Requires="v">
-                <p:oleObj spid="_x0000_s5179" name="Equation" r:id="rId5" imgW="800100" imgH="215900" progId="Equation.3">
+                <p:oleObj spid="_x0000_s5184" name="Equation" r:id="rId5" imgW="800100" imgH="215900" progId="Equation.3">
                   <p:embed/>
                 </p:oleObj>
               </mc:Choice>
@@ -8373,7 +8397,7 @@
           <a:graphicData uri="http://schemas.openxmlformats.org/presentationml/2006/ole">
             <mc:AlternateContent xmlns:mc="http://schemas.openxmlformats.org/markup-compatibility/2006">
               <mc:Choice xmlns:v="urn:schemas-microsoft-com:vml" Requires="v">
-                <p:oleObj spid="_x0000_s5180" name="Equation" r:id="rId7" imgW="1130300" imgH="342900" progId="Equation.3">
+                <p:oleObj spid="_x0000_s5185" name="Equation" r:id="rId7" imgW="1130300" imgH="342900" progId="Equation.3">
                   <p:embed/>
                 </p:oleObj>
               </mc:Choice>
@@ -8430,7 +8454,7 @@
           <a:graphicData uri="http://schemas.openxmlformats.org/presentationml/2006/ole">
             <mc:AlternateContent xmlns:mc="http://schemas.openxmlformats.org/markup-compatibility/2006">
               <mc:Choice xmlns:v="urn:schemas-microsoft-com:vml" Requires="v">
-                <p:oleObj spid="_x0000_s5181" name="Equation" r:id="rId9" imgW="2552700" imgH="1104900" progId="Equation.3">
+                <p:oleObj spid="_x0000_s5186" name="Equation" r:id="rId9" imgW="2552700" imgH="1104900" progId="Equation.3">
                   <p:embed/>
                 </p:oleObj>
               </mc:Choice>
